--- a/Описание/Змейка.pptx
+++ b/Описание/Змейка.pptx
@@ -303,7 +303,7 @@
           <a:p>
             <a:fld id="{00FCE337-C993-4E0C-A573-4BF1EE4EDC9A}" type="datetimeFigureOut">
               <a:rPr lang="ru-RU" smtClean="0"/>
-              <a:t>24.12.2019</a:t>
+              <a:t>25.12.2019</a:t>
             </a:fld>
             <a:endParaRPr lang="ru-RU"/>
           </a:p>
@@ -601,7 +601,7 @@
           <a:p>
             <a:fld id="{00FCE337-C993-4E0C-A573-4BF1EE4EDC9A}" type="datetimeFigureOut">
               <a:rPr lang="ru-RU" smtClean="0"/>
-              <a:t>24.12.2019</a:t>
+              <a:t>25.12.2019</a:t>
             </a:fld>
             <a:endParaRPr lang="ru-RU"/>
           </a:p>
@@ -793,7 +793,7 @@
           <a:p>
             <a:fld id="{00FCE337-C993-4E0C-A573-4BF1EE4EDC9A}" type="datetimeFigureOut">
               <a:rPr lang="ru-RU" smtClean="0"/>
-              <a:t>24.12.2019</a:t>
+              <a:t>25.12.2019</a:t>
             </a:fld>
             <a:endParaRPr lang="ru-RU"/>
           </a:p>
@@ -1054,7 +1054,7 @@
           <a:p>
             <a:fld id="{00FCE337-C993-4E0C-A573-4BF1EE4EDC9A}" type="datetimeFigureOut">
               <a:rPr lang="ru-RU" smtClean="0"/>
-              <a:t>24.12.2019</a:t>
+              <a:t>25.12.2019</a:t>
             </a:fld>
             <a:endParaRPr lang="ru-RU"/>
           </a:p>
@@ -1478,7 +1478,7 @@
           <a:p>
             <a:fld id="{00FCE337-C993-4E0C-A573-4BF1EE4EDC9A}" type="datetimeFigureOut">
               <a:rPr lang="ru-RU" smtClean="0"/>
-              <a:t>24.12.2019</a:t>
+              <a:t>25.12.2019</a:t>
             </a:fld>
             <a:endParaRPr lang="ru-RU"/>
           </a:p>
@@ -2015,7 +2015,7 @@
           <a:p>
             <a:fld id="{00FCE337-C993-4E0C-A573-4BF1EE4EDC9A}" type="datetimeFigureOut">
               <a:rPr lang="ru-RU" smtClean="0"/>
-              <a:t>24.12.2019</a:t>
+              <a:t>25.12.2019</a:t>
             </a:fld>
             <a:endParaRPr lang="ru-RU"/>
           </a:p>
@@ -2879,7 +2879,7 @@
           <a:p>
             <a:fld id="{00FCE337-C993-4E0C-A573-4BF1EE4EDC9A}" type="datetimeFigureOut">
               <a:rPr lang="ru-RU" smtClean="0"/>
-              <a:t>24.12.2019</a:t>
+              <a:t>25.12.2019</a:t>
             </a:fld>
             <a:endParaRPr lang="ru-RU"/>
           </a:p>
@@ -3049,7 +3049,7 @@
           <a:p>
             <a:fld id="{00FCE337-C993-4E0C-A573-4BF1EE4EDC9A}" type="datetimeFigureOut">
               <a:rPr lang="ru-RU" smtClean="0"/>
-              <a:t>24.12.2019</a:t>
+              <a:t>25.12.2019</a:t>
             </a:fld>
             <a:endParaRPr lang="ru-RU"/>
           </a:p>
@@ -3233,7 +3233,7 @@
           <a:p>
             <a:fld id="{00FCE337-C993-4E0C-A573-4BF1EE4EDC9A}" type="datetimeFigureOut">
               <a:rPr lang="ru-RU" smtClean="0"/>
-              <a:t>24.12.2019</a:t>
+              <a:t>25.12.2019</a:t>
             </a:fld>
             <a:endParaRPr lang="ru-RU"/>
           </a:p>
@@ -3403,7 +3403,7 @@
           <a:p>
             <a:fld id="{00FCE337-C993-4E0C-A573-4BF1EE4EDC9A}" type="datetimeFigureOut">
               <a:rPr lang="ru-RU" smtClean="0"/>
-              <a:t>24.12.2019</a:t>
+              <a:t>25.12.2019</a:t>
             </a:fld>
             <a:endParaRPr lang="ru-RU"/>
           </a:p>
@@ -3647,7 +3647,7 @@
           <a:p>
             <a:fld id="{00FCE337-C993-4E0C-A573-4BF1EE4EDC9A}" type="datetimeFigureOut">
               <a:rPr lang="ru-RU" smtClean="0"/>
-              <a:t>24.12.2019</a:t>
+              <a:t>25.12.2019</a:t>
             </a:fld>
             <a:endParaRPr lang="ru-RU"/>
           </a:p>
@@ -3883,7 +3883,7 @@
           <a:p>
             <a:fld id="{00FCE337-C993-4E0C-A573-4BF1EE4EDC9A}" type="datetimeFigureOut">
               <a:rPr lang="ru-RU" smtClean="0"/>
-              <a:t>24.12.2019</a:t>
+              <a:t>25.12.2019</a:t>
             </a:fld>
             <a:endParaRPr lang="ru-RU"/>
           </a:p>
@@ -4349,7 +4349,7 @@
           <a:p>
             <a:fld id="{00FCE337-C993-4E0C-A573-4BF1EE4EDC9A}" type="datetimeFigureOut">
               <a:rPr lang="ru-RU" smtClean="0"/>
-              <a:t>24.12.2019</a:t>
+              <a:t>25.12.2019</a:t>
             </a:fld>
             <a:endParaRPr lang="ru-RU"/>
           </a:p>
@@ -4467,7 +4467,7 @@
           <a:p>
             <a:fld id="{00FCE337-C993-4E0C-A573-4BF1EE4EDC9A}" type="datetimeFigureOut">
               <a:rPr lang="ru-RU" smtClean="0"/>
-              <a:t>24.12.2019</a:t>
+              <a:t>25.12.2019</a:t>
             </a:fld>
             <a:endParaRPr lang="ru-RU"/>
           </a:p>
@@ -4562,7 +4562,7 @@
           <a:p>
             <a:fld id="{00FCE337-C993-4E0C-A573-4BF1EE4EDC9A}" type="datetimeFigureOut">
               <a:rPr lang="ru-RU" smtClean="0"/>
-              <a:t>24.12.2019</a:t>
+              <a:t>25.12.2019</a:t>
             </a:fld>
             <a:endParaRPr lang="ru-RU"/>
           </a:p>
@@ -4817,7 +4817,7 @@
           <a:p>
             <a:fld id="{00FCE337-C993-4E0C-A573-4BF1EE4EDC9A}" type="datetimeFigureOut">
               <a:rPr lang="ru-RU" smtClean="0"/>
-              <a:t>24.12.2019</a:t>
+              <a:t>25.12.2019</a:t>
             </a:fld>
             <a:endParaRPr lang="ru-RU"/>
           </a:p>
@@ -5117,7 +5117,7 @@
           <a:p>
             <a:fld id="{00FCE337-C993-4E0C-A573-4BF1EE4EDC9A}" type="datetimeFigureOut">
               <a:rPr lang="ru-RU" smtClean="0"/>
-              <a:t>24.12.2019</a:t>
+              <a:t>25.12.2019</a:t>
             </a:fld>
             <a:endParaRPr lang="ru-RU"/>
           </a:p>
@@ -5351,7 +5351,7 @@
           <a:p>
             <a:fld id="{00FCE337-C993-4E0C-A573-4BF1EE4EDC9A}" type="datetimeFigureOut">
               <a:rPr lang="ru-RU" smtClean="0"/>
-              <a:t>24.12.2019</a:t>
+              <a:t>25.12.2019</a:t>
             </a:fld>
             <a:endParaRPr lang="ru-RU"/>
           </a:p>
